--- a/analytic_data_flowchart.pptx
+++ b/analytic_data_flowchart.pptx
@@ -243,7 +243,7 @@
           <a:p>
             <a:fld id="{FFDE527D-13B8-BB4F-8B40-E64F5D5BC21A}" type="datetimeFigureOut">
               <a:rPr lang="en-US" smtClean="0"/>
-              <a:t>3/11/22</a:t>
+              <a:t>8/19/22</a:t>
             </a:fld>
             <a:endParaRPr lang="en-US"/>
           </a:p>
@@ -413,7 +413,7 @@
           <a:p>
             <a:fld id="{FFDE527D-13B8-BB4F-8B40-E64F5D5BC21A}" type="datetimeFigureOut">
               <a:rPr lang="en-US" smtClean="0"/>
-              <a:t>3/11/22</a:t>
+              <a:t>8/19/22</a:t>
             </a:fld>
             <a:endParaRPr lang="en-US"/>
           </a:p>
@@ -593,7 +593,7 @@
           <a:p>
             <a:fld id="{FFDE527D-13B8-BB4F-8B40-E64F5D5BC21A}" type="datetimeFigureOut">
               <a:rPr lang="en-US" smtClean="0"/>
-              <a:t>3/11/22</a:t>
+              <a:t>8/19/22</a:t>
             </a:fld>
             <a:endParaRPr lang="en-US"/>
           </a:p>
@@ -763,7 +763,7 @@
           <a:p>
             <a:fld id="{FFDE527D-13B8-BB4F-8B40-E64F5D5BC21A}" type="datetimeFigureOut">
               <a:rPr lang="en-US" smtClean="0"/>
-              <a:t>3/11/22</a:t>
+              <a:t>8/19/22</a:t>
             </a:fld>
             <a:endParaRPr lang="en-US"/>
           </a:p>
@@ -1009,7 +1009,7 @@
           <a:p>
             <a:fld id="{FFDE527D-13B8-BB4F-8B40-E64F5D5BC21A}" type="datetimeFigureOut">
               <a:rPr lang="en-US" smtClean="0"/>
-              <a:t>3/11/22</a:t>
+              <a:t>8/19/22</a:t>
             </a:fld>
             <a:endParaRPr lang="en-US"/>
           </a:p>
@@ -1241,7 +1241,7 @@
           <a:p>
             <a:fld id="{FFDE527D-13B8-BB4F-8B40-E64F5D5BC21A}" type="datetimeFigureOut">
               <a:rPr lang="en-US" smtClean="0"/>
-              <a:t>3/11/22</a:t>
+              <a:t>8/19/22</a:t>
             </a:fld>
             <a:endParaRPr lang="en-US"/>
           </a:p>
@@ -1608,7 +1608,7 @@
           <a:p>
             <a:fld id="{FFDE527D-13B8-BB4F-8B40-E64F5D5BC21A}" type="datetimeFigureOut">
               <a:rPr lang="en-US" smtClean="0"/>
-              <a:t>3/11/22</a:t>
+              <a:t>8/19/22</a:t>
             </a:fld>
             <a:endParaRPr lang="en-US"/>
           </a:p>
@@ -1726,7 +1726,7 @@
           <a:p>
             <a:fld id="{FFDE527D-13B8-BB4F-8B40-E64F5D5BC21A}" type="datetimeFigureOut">
               <a:rPr lang="en-US" smtClean="0"/>
-              <a:t>3/11/22</a:t>
+              <a:t>8/19/22</a:t>
             </a:fld>
             <a:endParaRPr lang="en-US"/>
           </a:p>
@@ -1821,7 +1821,7 @@
           <a:p>
             <a:fld id="{FFDE527D-13B8-BB4F-8B40-E64F5D5BC21A}" type="datetimeFigureOut">
               <a:rPr lang="en-US" smtClean="0"/>
-              <a:t>3/11/22</a:t>
+              <a:t>8/19/22</a:t>
             </a:fld>
             <a:endParaRPr lang="en-US"/>
           </a:p>
@@ -2098,7 +2098,7 @@
           <a:p>
             <a:fld id="{FFDE527D-13B8-BB4F-8B40-E64F5D5BC21A}" type="datetimeFigureOut">
               <a:rPr lang="en-US" smtClean="0"/>
-              <a:t>3/11/22</a:t>
+              <a:t>8/19/22</a:t>
             </a:fld>
             <a:endParaRPr lang="en-US"/>
           </a:p>
@@ -2355,7 +2355,7 @@
           <a:p>
             <a:fld id="{FFDE527D-13B8-BB4F-8B40-E64F5D5BC21A}" type="datetimeFigureOut">
               <a:rPr lang="en-US" smtClean="0"/>
-              <a:t>3/11/22</a:t>
+              <a:t>8/19/22</a:t>
             </a:fld>
             <a:endParaRPr lang="en-US"/>
           </a:p>
@@ -2568,7 +2568,7 @@
           <a:p>
             <a:fld id="{FFDE527D-13B8-BB4F-8B40-E64F5D5BC21A}" type="datetimeFigureOut">
               <a:rPr lang="en-US" smtClean="0"/>
-              <a:t>3/11/22</a:t>
+              <a:t>8/19/22</a:t>
             </a:fld>
             <a:endParaRPr lang="en-US"/>
           </a:p>
@@ -2993,6 +2993,9 @@
           <a:prstGeom prst="rect">
             <a:avLst/>
           </a:prstGeom>
+          <a:solidFill>
+            <a:srgbClr val="009E73"/>
+          </a:solidFill>
           <a:ln>
             <a:noFill/>
           </a:ln>
@@ -3047,7 +3050,7 @@
                 <a:latin typeface="Arial" panose="020B0604020202020204" pitchFamily="34" charset="0"/>
                 <a:cs typeface="Arial" panose="020B0604020202020204" pitchFamily="34" charset="0"/>
               </a:rPr>
-              <a:t>N = 351,843</a:t>
+              <a:t>N = 405,197</a:t>
             </a:r>
           </a:p>
         </p:txBody>
@@ -3072,6 +3075,9 @@
           <a:prstGeom prst="rect">
             <a:avLst/>
           </a:prstGeom>
+          <a:solidFill>
+            <a:srgbClr val="009E73"/>
+          </a:solidFill>
           <a:ln>
             <a:noFill/>
           </a:ln>
@@ -3112,7 +3118,7 @@
                 <a:latin typeface="Arial" panose="020B0604020202020204" pitchFamily="34" charset="0"/>
                 <a:cs typeface="Arial" panose="020B0604020202020204" pitchFamily="34" charset="0"/>
               </a:rPr>
-              <a:t>N = 347,719</a:t>
+              <a:t>N = 349,136</a:t>
             </a:r>
           </a:p>
         </p:txBody>
@@ -3141,6 +3147,9 @@
             <a:avLst/>
           </a:prstGeom>
           <a:ln w="31750">
+            <a:solidFill>
+              <a:srgbClr val="009E73"/>
+            </a:solidFill>
             <a:tailEnd type="triangle"/>
           </a:ln>
         </p:spPr>
@@ -3232,7 +3241,7 @@
             <a:avLst/>
           </a:prstGeom>
           <a:solidFill>
-            <a:srgbClr val="C00000"/>
+            <a:srgbClr val="D55E00"/>
           </a:solidFill>
           <a:ln>
             <a:noFill/>
@@ -3264,7 +3273,7 @@
                 <a:latin typeface="Arial" panose="020B0604020202020204" pitchFamily="34" charset="0"/>
                 <a:cs typeface="Arial" panose="020B0604020202020204" pitchFamily="34" charset="0"/>
               </a:rPr>
-              <a:t>n = 4,124</a:t>
+              <a:t>n = 56,061</a:t>
             </a:r>
           </a:p>
         </p:txBody>
@@ -3295,7 +3304,7 @@
           </a:prstGeom>
           <a:ln w="31750">
             <a:solidFill>
-              <a:srgbClr val="C00000"/>
+              <a:srgbClr val="D55E00"/>
             </a:solidFill>
             <a:tailEnd type="triangle"/>
           </a:ln>
@@ -3335,6 +3344,9 @@
           <a:prstGeom prst="rect">
             <a:avLst/>
           </a:prstGeom>
+          <a:solidFill>
+            <a:srgbClr val="009E73"/>
+          </a:solidFill>
           <a:ln>
             <a:noFill/>
           </a:ln>
@@ -3375,7 +3387,7 @@
                 <a:latin typeface="Arial" panose="020B0604020202020204" pitchFamily="34" charset="0"/>
                 <a:cs typeface="Arial" panose="020B0604020202020204" pitchFamily="34" charset="0"/>
               </a:rPr>
-              <a:t>N = 307,453</a:t>
+              <a:t>N = 308,354</a:t>
             </a:r>
           </a:p>
         </p:txBody>
@@ -3405,6 +3417,9 @@
             <a:avLst/>
           </a:prstGeom>
           <a:ln w="31750">
+            <a:solidFill>
+              <a:srgbClr val="009E73"/>
+            </a:solidFill>
             <a:tailEnd type="triangle"/>
           </a:ln>
         </p:spPr>
@@ -3485,7 +3500,7 @@
           </a:prstGeom>
           <a:ln w="31750">
             <a:solidFill>
-              <a:srgbClr val="C00000"/>
+              <a:srgbClr val="D55E00"/>
             </a:solidFill>
             <a:tailEnd type="triangle"/>
           </a:ln>
@@ -3526,7 +3541,7 @@
             <a:avLst/>
           </a:prstGeom>
           <a:solidFill>
-            <a:srgbClr val="C00000"/>
+            <a:srgbClr val="D55E00"/>
           </a:solidFill>
           <a:ln>
             <a:noFill/>
@@ -3558,7 +3573,7 @@
                 <a:latin typeface="Arial" panose="020B0604020202020204" pitchFamily="34" charset="0"/>
                 <a:cs typeface="Arial" panose="020B0604020202020204" pitchFamily="34" charset="0"/>
               </a:rPr>
-              <a:t>n = 40,266</a:t>
+              <a:t>n = 40,782</a:t>
             </a:r>
           </a:p>
         </p:txBody>
@@ -3583,6 +3598,9 @@
           <a:prstGeom prst="rect">
             <a:avLst/>
           </a:prstGeom>
+          <a:solidFill>
+            <a:srgbClr val="009E73"/>
+          </a:solidFill>
           <a:ln>
             <a:noFill/>
           </a:ln>
@@ -3623,7 +3641,7 @@
                 <a:latin typeface="Arial" panose="020B0604020202020204" pitchFamily="34" charset="0"/>
                 <a:cs typeface="Arial" panose="020B0604020202020204" pitchFamily="34" charset="0"/>
               </a:rPr>
-              <a:t>N = 259,895</a:t>
+              <a:t>N = 260,760</a:t>
             </a:r>
           </a:p>
         </p:txBody>
@@ -3653,6 +3671,9 @@
             <a:avLst/>
           </a:prstGeom>
           <a:ln w="31750">
+            <a:solidFill>
+              <a:srgbClr val="009E73"/>
+            </a:solidFill>
             <a:tailEnd type="triangle"/>
           </a:ln>
         </p:spPr>
@@ -3733,7 +3754,7 @@
           </a:prstGeom>
           <a:ln w="31750">
             <a:solidFill>
-              <a:srgbClr val="C00000"/>
+              <a:srgbClr val="D55E00"/>
             </a:solidFill>
             <a:tailEnd type="triangle"/>
           </a:ln>
@@ -3774,7 +3795,7 @@
             <a:avLst/>
           </a:prstGeom>
           <a:solidFill>
-            <a:srgbClr val="C00000"/>
+            <a:srgbClr val="D55E00"/>
           </a:solidFill>
           <a:ln>
             <a:noFill/>
@@ -3806,7 +3827,7 @@
                 <a:latin typeface="Arial" panose="020B0604020202020204" pitchFamily="34" charset="0"/>
                 <a:cs typeface="Arial" panose="020B0604020202020204" pitchFamily="34" charset="0"/>
               </a:rPr>
-              <a:t>n = 47,558</a:t>
+              <a:t>n = 47,594</a:t>
             </a:r>
           </a:p>
         </p:txBody>
@@ -3869,6 +3890,9 @@
           <a:prstGeom prst="rect">
             <a:avLst/>
           </a:prstGeom>
+          <a:solidFill>
+            <a:srgbClr val="009E73"/>
+          </a:solidFill>
           <a:ln>
             <a:noFill/>
           </a:ln>
@@ -3909,7 +3933,7 @@
                 <a:latin typeface="Arial" panose="020B0604020202020204" pitchFamily="34" charset="0"/>
                 <a:cs typeface="Arial" panose="020B0604020202020204" pitchFamily="34" charset="0"/>
               </a:rPr>
-              <a:t>N = 259,893</a:t>
+              <a:t>N = 260,757</a:t>
             </a:r>
           </a:p>
         </p:txBody>
@@ -3939,6 +3963,9 @@
             <a:avLst/>
           </a:prstGeom>
           <a:ln w="31750">
+            <a:solidFill>
+              <a:srgbClr val="009E73"/>
+            </a:solidFill>
             <a:tailEnd type="triangle"/>
           </a:ln>
         </p:spPr>
@@ -4085,7 +4112,7 @@
           </a:prstGeom>
           <a:ln w="31750">
             <a:solidFill>
-              <a:srgbClr val="C00000"/>
+              <a:srgbClr val="D55E00"/>
             </a:solidFill>
             <a:tailEnd type="triangle"/>
           </a:ln>
@@ -4126,7 +4153,7 @@
             <a:avLst/>
           </a:prstGeom>
           <a:solidFill>
-            <a:srgbClr val="C00000"/>
+            <a:srgbClr val="D55E00"/>
           </a:solidFill>
           <a:ln>
             <a:noFill/>
@@ -4158,7 +4185,7 @@
                 <a:latin typeface="Arial" panose="020B0604020202020204" pitchFamily="34" charset="0"/>
                 <a:cs typeface="Arial" panose="020B0604020202020204" pitchFamily="34" charset="0"/>
               </a:rPr>
-              <a:t>n = 2</a:t>
+              <a:t>n = 3</a:t>
             </a:r>
           </a:p>
         </p:txBody>
